--- a/presentations/day3/Helmholtz - McStas day3.pptx
+++ b/presentations/day3/Helmholtz - McStas day3.pptx
@@ -614,8 +614,8 @@
         </p:nvGrpSpPr>
         <p:grpSpPr>
           <a:xfrm>
-            <a:off x="-28086" y="0"/>
-            <a:ext cx="186974" cy="6172207"/>
+            <a:off x="-28086" y="-1"/>
+            <a:ext cx="186974" cy="6172209"/>
             <a:chOff x="0" y="0"/>
             <a:chExt cx="186972" cy="6172207"/>
           </a:xfrm>
@@ -841,8 +841,8 @@
         </p:nvGrpSpPr>
         <p:grpSpPr>
           <a:xfrm>
-            <a:off x="-28086" y="0"/>
-            <a:ext cx="186974" cy="6172207"/>
+            <a:off x="-28086" y="-1"/>
+            <a:ext cx="186974" cy="6172209"/>
             <a:chOff x="0" y="0"/>
             <a:chExt cx="186972" cy="6172207"/>
           </a:xfrm>
@@ -1056,8 +1056,8 @@
         </p:nvGrpSpPr>
         <p:grpSpPr>
           <a:xfrm>
-            <a:off x="-28086" y="0"/>
-            <a:ext cx="186974" cy="6172207"/>
+            <a:off x="-28086" y="-1"/>
+            <a:ext cx="186974" cy="6172209"/>
             <a:chOff x="0" y="0"/>
             <a:chExt cx="186972" cy="6172207"/>
           </a:xfrm>
@@ -1204,8 +1204,8 @@
         </p:nvGrpSpPr>
         <p:grpSpPr>
           <a:xfrm>
-            <a:off x="-28086" y="0"/>
-            <a:ext cx="186974" cy="6172207"/>
+            <a:off x="-28086" y="-1"/>
+            <a:ext cx="186974" cy="6172209"/>
             <a:chOff x="0" y="0"/>
             <a:chExt cx="186972" cy="6172207"/>
           </a:xfrm>
@@ -1348,8 +1348,8 @@
         </p:nvSpPr>
         <p:spPr>
           <a:xfrm>
-            <a:off x="160019" y="1936462"/>
-            <a:ext cx="10812902" cy="3181202"/>
+            <a:off x="160019" y="1936463"/>
+            <a:ext cx="10812902" cy="3181201"/>
           </a:xfrm>
           <a:prstGeom prst="rect">
             <a:avLst/>
@@ -1384,7 +1384,7 @@
         <p:spPr>
           <a:xfrm>
             <a:off x="85027" y="664732"/>
-            <a:ext cx="1511752" cy="2917020"/>
+            <a:ext cx="1511751" cy="2917020"/>
           </a:xfrm>
           <a:prstGeom prst="rect">
             <a:avLst/>
@@ -1649,10 +1649,6 @@
           </p:nvPr>
         </p:nvSpPr>
         <p:spPr>
-          <a:xfrm>
-            <a:off x="10394350" y="5833859"/>
-            <a:ext cx="210469" cy="197384"/>
-          </a:xfrm>
           <a:prstGeom prst="rect">
             <a:avLst/>
           </a:prstGeom>
@@ -1901,8 +1897,8 @@
         </p:nvGrpSpPr>
         <p:grpSpPr>
           <a:xfrm>
-            <a:off x="-28086" y="0"/>
-            <a:ext cx="186974" cy="6172207"/>
+            <a:off x="-28086" y="-1"/>
+            <a:ext cx="186974" cy="6172209"/>
             <a:chOff x="0" y="0"/>
             <a:chExt cx="186972" cy="6172207"/>
           </a:xfrm>
@@ -2162,8 +2158,8 @@
         </p:nvGrpSpPr>
         <p:grpSpPr>
           <a:xfrm>
-            <a:off x="-28086" y="0"/>
-            <a:ext cx="186974" cy="6172207"/>
+            <a:off x="-28086" y="-1"/>
+            <a:ext cx="186974" cy="6172209"/>
             <a:chOff x="0" y="0"/>
             <a:chExt cx="186972" cy="6172207"/>
           </a:xfrm>
@@ -3045,7 +3041,7 @@
         </p:nvSpPr>
         <p:spPr>
           <a:xfrm>
-            <a:off x="10588350" y="5869050"/>
+            <a:off x="10588350" y="5869051"/>
             <a:ext cx="127001" cy="127001"/>
           </a:xfrm>
           <a:prstGeom prst="rect">
@@ -4361,7 +4357,7 @@
         <p:spPr>
           <a:xfrm flipH="1">
             <a:off x="5671337" y="1158869"/>
-            <a:ext cx="1774837" cy="3455033"/>
+            <a:ext cx="1774836" cy="3455033"/>
           </a:xfrm>
           <a:prstGeom prst="line">
             <a:avLst/>
@@ -4681,7 +4677,7 @@
         </p:nvSpPr>
         <p:spPr>
           <a:xfrm>
-            <a:off x="10588350" y="5869050"/>
+            <a:off x="10588350" y="5869051"/>
             <a:ext cx="127001" cy="127001"/>
           </a:xfrm>
           <a:prstGeom prst="rect">
@@ -4767,16 +4763,34 @@
           <a:bodyPr/>
           <a:lstStyle/>
           <a:p>
-            <a:pPr/>
+            <a:pPr marL="438911" indent="-341375" defTabSz="877823">
+              <a:spcBef>
+                <a:spcPts val="800"/>
+              </a:spcBef>
+              <a:buSzPts val="1900"/>
+              <a:defRPr sz="1919"/>
+            </a:pPr>
             <a:r>
               <a:t>Tobias identified and corrected a thread race condition in a specific instrument / component</a:t>
             </a:r>
           </a:p>
           <a:p>
-            <a:pPr/>
+            <a:pPr marL="438911" indent="-341375" defTabSz="877823">
+              <a:spcBef>
+                <a:spcPts val="800"/>
+              </a:spcBef>
+              <a:buSzPts val="1900"/>
+              <a:defRPr sz="1919"/>
+            </a:pPr>
           </a:p>
           <a:p>
-            <a:pPr/>
+            <a:pPr marL="438911" indent="-341375" defTabSz="877823">
+              <a:spcBef>
+                <a:spcPts val="800"/>
+              </a:spcBef>
+              <a:buSzPts val="1900"/>
+              <a:defRPr sz="1919"/>
+            </a:pPr>
             <a:r>
               <a:t>Emmanuel tried chatbot hints for potential missing </a:t>
             </a:r>
@@ -4786,24 +4800,60 @@
             </a:r>
           </a:p>
           <a:p>
-            <a:pPr/>
+            <a:pPr marL="438911" indent="-341375" defTabSz="877823">
+              <a:spcBef>
+                <a:spcPts val="800"/>
+              </a:spcBef>
+              <a:buSzPts val="1900"/>
+              <a:defRPr sz="1919"/>
+            </a:pPr>
           </a:p>
           <a:p>
-            <a:pPr/>
+            <a:pPr marL="438911" indent="-341375" defTabSz="877823">
+              <a:spcBef>
+                <a:spcPts val="800"/>
+              </a:spcBef>
+              <a:buSzPts val="1900"/>
+              <a:defRPr sz="1919"/>
+            </a:pPr>
             <a:r>
               <a:t>Goals for today:</a:t>
             </a:r>
           </a:p>
           <a:p>
-            <a:pPr lvl="1"/>
+            <a:pPr lvl="1" marL="877823" indent="-341375" defTabSz="877823">
+              <a:spcBef>
+                <a:spcPts val="800"/>
+              </a:spcBef>
+              <a:buSzPts val="1900"/>
+              <a:defRPr sz="1919"/>
+            </a:pPr>
             <a:r>
               <a:t>More profiling</a:t>
             </a:r>
           </a:p>
           <a:p>
-            <a:pPr lvl="1"/>
+            <a:pPr lvl="1" marL="877823" indent="-341375" defTabSz="877823">
+              <a:spcBef>
+                <a:spcPts val="800"/>
+              </a:spcBef>
+              <a:buSzPts val="1900"/>
+              <a:defRPr sz="1919"/>
+            </a:pPr>
             <a:r>
               <a:t>Experiments with ‘struct with arrays’ approach</a:t>
+            </a:r>
+          </a:p>
+          <a:p>
+            <a:pPr lvl="1" marL="877823" indent="-341375" defTabSz="877823">
+              <a:spcBef>
+                <a:spcPts val="800"/>
+              </a:spcBef>
+              <a:buSzPts val="1900"/>
+              <a:defRPr sz="1919"/>
+            </a:pPr>
+            <a:r>
+              <a:t>Take a look at alternative FUNNEL sorting algorithm (something readily provided in CUDA?)</a:t>
             </a:r>
           </a:p>
         </p:txBody>
@@ -4827,7 +4877,7 @@
         <p:spPr>
           <a:xfrm>
             <a:off x="7706915" y="1093405"/>
-            <a:ext cx="3255729" cy="2006677"/>
+            <a:ext cx="3255730" cy="2006677"/>
           </a:xfrm>
           <a:prstGeom prst="rect">
             <a:avLst/>
@@ -4873,7 +4923,7 @@
         </p:nvSpPr>
         <p:spPr>
           <a:xfrm>
-            <a:off x="10588350" y="5869050"/>
+            <a:off x="10588350" y="5869051"/>
             <a:ext cx="127001" cy="127001"/>
           </a:xfrm>
           <a:prstGeom prst="rect">
@@ -4948,8 +4998,8 @@
         </p:nvSpPr>
         <p:spPr>
           <a:xfrm>
-            <a:off x="436739" y="2103034"/>
-            <a:ext cx="9948602" cy="3718802"/>
+            <a:off x="436739" y="2103035"/>
+            <a:ext cx="9948602" cy="3718801"/>
           </a:xfrm>
           <a:prstGeom prst="rect">
             <a:avLst/>
@@ -4973,7 +5023,11 @@
           <a:p>
             <a:pPr lvl="1"/>
             <a:r>
-              <a:t>Limit device-host-device transfers (only some data need to be loaded back to host)</a:t>
+              <a:t>Limit device-host-device transfers </a:t>
+            </a:r>
+            <a:br/>
+            <a:r>
+              <a:t>(only some data need to be loaded back to host)</a:t>
             </a:r>
           </a:p>
         </p:txBody>

--- a/presentations/day3/Helmholtz - McStas day3.pptx
+++ b/presentations/day3/Helmholtz - McStas day3.pptx
@@ -13,7 +13,6 @@
     <p:sldId id="258" r:id="rId10"/>
     <p:sldId id="259" r:id="rId11"/>
     <p:sldId id="260" r:id="rId12"/>
-    <p:sldId id="261" r:id="rId13"/>
   </p:sldIdLst>
   <p:sldSz cx="10972800" cy="6172200"/>
   <p:notesSz cx="6858000" cy="9144000"/>
@@ -4459,217 +4458,7 @@
       </p:grpSpPr>
       <p:sp>
         <p:nvSpPr>
-          <p:cNvPr id="131" name="Slide Number"/>
-          <p:cNvSpPr txBox="1"/>
-          <p:nvPr>
-            <p:ph type="sldNum" sz="quarter" idx="2"/>
-          </p:nvPr>
-        </p:nvSpPr>
-        <p:spPr>
-          <a:xfrm>
-            <a:off x="10394350" y="5833859"/>
-            <a:ext cx="127001" cy="197384"/>
-          </a:xfrm>
-          <a:prstGeom prst="rect">
-            <a:avLst/>
-          </a:prstGeom>
-          <a:extLst>
-            <a:ext uri="{C572A759-6A51-4108-AA02-DFA0A04FC94B}">
-              <ma14:wrappingTextBoxFlag xmlns:ma14="http://schemas.microsoft.com/office/mac/drawingml/2011/main" val="1"/>
-            </a:ext>
-          </a:extLst>
-        </p:spPr>
-        <p:txBody>
-          <a:bodyPr/>
-          <a:lstStyle/>
-          <a:p>
-            <a:pPr/>
-            <a:fld id="{86CB4B4D-7CA3-9044-876B-883B54F8677D}" type="slidenum"/>
-          </a:p>
-        </p:txBody>
-      </p:sp>
-      <p:sp>
-        <p:nvSpPr>
-          <p:cNvPr id="132" name="We are likely blocked by our “arrays of struct”"/>
-          <p:cNvSpPr txBox="1"/>
-          <p:nvPr>
-            <p:ph type="title"/>
-          </p:nvPr>
-        </p:nvSpPr>
-        <p:spPr>
-          <a:xfrm>
-            <a:off x="343537" y="-7466"/>
-            <a:ext cx="9976201" cy="591001"/>
-          </a:xfrm>
-          <a:prstGeom prst="rect">
-            <a:avLst/>
-          </a:prstGeom>
-        </p:spPr>
-        <p:txBody>
-          <a:bodyPr/>
-          <a:lstStyle>
-            <a:lvl1pPr>
-              <a:defRPr sz="2300"/>
-            </a:lvl1pPr>
-          </a:lstStyle>
-          <a:p>
-            <a:pPr/>
-            <a:r>
-              <a:t>We are likely blocked by our “arrays of struct”</a:t>
-            </a:r>
-          </a:p>
-        </p:txBody>
-      </p:sp>
-      <p:sp>
-        <p:nvSpPr>
-          <p:cNvPr id="133" name="Even the ‘simplest of all cases’ is not great in this respect"/>
-          <p:cNvSpPr txBox="1"/>
-          <p:nvPr>
-            <p:ph type="body" idx="1"/>
-          </p:nvPr>
-        </p:nvSpPr>
-        <p:spPr>
-          <a:xfrm>
-            <a:off x="436740" y="758460"/>
-            <a:ext cx="9948600" cy="5063376"/>
-          </a:xfrm>
-          <a:prstGeom prst="rect">
-            <a:avLst/>
-          </a:prstGeom>
-        </p:spPr>
-        <p:txBody>
-          <a:bodyPr/>
-          <a:lstStyle/>
-          <a:p>
-            <a:pPr/>
-            <a:r>
-              <a:t>Even the ‘simplest of all cases’ is not great in this respect</a:t>
-            </a:r>
-          </a:p>
-        </p:txBody>
-      </p:sp>
-      <p:sp>
-        <p:nvSpPr>
-          <p:cNvPr id="134" name="Text"/>
-          <p:cNvSpPr txBox="1"/>
-          <p:nvPr/>
-        </p:nvSpPr>
-        <p:spPr>
-          <a:xfrm>
-            <a:off x="1099410" y="5127946"/>
-            <a:ext cx="430224" cy="288824"/>
-          </a:xfrm>
-          <a:prstGeom prst="rect">
-            <a:avLst/>
-          </a:prstGeom>
-          <a:ln w="12700">
-            <a:miter lim="400000"/>
-          </a:ln>
-        </p:spPr>
-        <p:txBody>
-          <a:bodyPr wrap="none" lIns="45719" rIns="45719">
-            <a:spAutoFit/>
-          </a:bodyPr>
-          <a:lstStyle/>
-          <a:p>
-            <a:pPr/>
-          </a:p>
-        </p:txBody>
-      </p:sp>
-      <p:pic>
-        <p:nvPicPr>
-          <p:cNvPr id="135" name="Screenshot 2025-04-08 at 16.52.11.png" descr="Screenshot 2025-04-08 at 16.52.11.png"/>
-          <p:cNvPicPr>
-            <a:picLocks noChangeAspect="1"/>
-          </p:cNvPicPr>
-          <p:nvPr/>
-        </p:nvPicPr>
-        <p:blipFill>
-          <a:blip r:embed="rId2">
-            <a:extLst/>
-          </a:blip>
-          <a:stretch>
-            <a:fillRect/>
-          </a:stretch>
-        </p:blipFill>
-        <p:spPr>
-          <a:xfrm>
-            <a:off x="1014310" y="1230623"/>
-            <a:ext cx="8944180" cy="4844144"/>
-          </a:xfrm>
-          <a:prstGeom prst="rect">
-            <a:avLst/>
-          </a:prstGeom>
-          <a:ln w="12700">
-            <a:miter lim="400000"/>
-          </a:ln>
-        </p:spPr>
-      </p:pic>
-      <p:sp>
-        <p:nvSpPr>
-          <p:cNvPr id="136" name="Line"/>
-          <p:cNvSpPr/>
-          <p:nvPr/>
-        </p:nvSpPr>
-        <p:spPr>
-          <a:xfrm flipH="1">
-            <a:off x="5780148" y="1147106"/>
-            <a:ext cx="1468066" cy="3450092"/>
-          </a:xfrm>
-          <a:prstGeom prst="line">
-            <a:avLst/>
-          </a:prstGeom>
-          <a:ln w="25400">
-            <a:solidFill>
-              <a:schemeClr val="accent5"/>
-            </a:solidFill>
-            <a:tailEnd type="triangle"/>
-          </a:ln>
-          <a:effectLst>
-            <a:outerShdw sx="100000" sy="100000" kx="0" ky="0" algn="b" rotWithShape="0" blurRad="38100" dist="20000" dir="5400000">
-              <a:srgbClr val="000000">
-                <a:alpha val="38000"/>
-              </a:srgbClr>
-            </a:outerShdw>
-          </a:effectLst>
-        </p:spPr>
-        <p:txBody>
-          <a:bodyPr lIns="45719" rIns="45719"/>
-          <a:lstStyle/>
-          <a:p>
-            <a:pPr/>
-          </a:p>
-        </p:txBody>
-      </p:sp>
-    </p:spTree>
-  </p:cSld>
-  <p:clrMapOvr>
-    <a:masterClrMapping/>
-  </p:clrMapOvr>
-  <p:transition xmlns:p14="http://schemas.microsoft.com/office/powerpoint/2010/main" spd="med" advClick="1"/>
-</p:sld>
-</file>
-
-<file path=ppt/slides/slide5.xml><?xml version="1.0" encoding="utf-8"?>
-<p:sld xmlns:a="http://schemas.openxmlformats.org/drawingml/2006/main" xmlns:r="http://schemas.openxmlformats.org/officeDocument/2006/relationships" xmlns:p="http://schemas.openxmlformats.org/presentationml/2006/main" xmlns:m="http://schemas.openxmlformats.org/officeDocument/2006/math" xmlns:a14="http://schemas.microsoft.com/office/drawing/2010/main" showMasterSp="1" showMasterPhAnim="1">
-  <p:cSld>
-    <p:spTree>
-      <p:nvGrpSpPr>
-        <p:cNvPr id="1" name=""/>
-        <p:cNvGrpSpPr/>
-        <p:nvPr/>
-      </p:nvGrpSpPr>
-      <p:grpSpPr>
-        <a:xfrm>
-          <a:off x="0" y="0"/>
-          <a:ext cx="0" cy="0"/>
-          <a:chOff x="0" y="0"/>
-          <a:chExt cx="0" cy="0"/>
-        </a:xfrm>
-      </p:grpSpPr>
-      <p:sp>
-        <p:nvSpPr>
-          <p:cNvPr id="138" name="Google Shape;15;p4"/>
+          <p:cNvPr id="131" name="Google Shape;15;p4"/>
           <p:cNvSpPr txBox="1"/>
           <p:nvPr>
             <p:ph type="sldNum" sz="quarter" idx="2"/>
@@ -4712,7 +4501,7 @@
       </p:sp>
       <p:sp>
         <p:nvSpPr>
-          <p:cNvPr id="139" name="Google Shape;55;p11"/>
+          <p:cNvPr id="132" name="Google Shape;55;p11"/>
           <p:cNvSpPr txBox="1"/>
           <p:nvPr>
             <p:ph type="title"/>
@@ -4744,7 +4533,7 @@
       </p:sp>
       <p:sp>
         <p:nvSpPr>
-          <p:cNvPr id="140" name="Google Shape;56;p11"/>
+          <p:cNvPr id="133" name="Google Shape;56;p11"/>
           <p:cNvSpPr txBox="1"/>
           <p:nvPr>
             <p:ph type="body" idx="1"/>
@@ -4752,8 +4541,8 @@
         </p:nvSpPr>
         <p:spPr>
           <a:xfrm>
-            <a:off x="419640" y="703784"/>
-            <a:ext cx="9948602" cy="3718801"/>
+            <a:off x="419640" y="734095"/>
+            <a:ext cx="9948602" cy="4011458"/>
           </a:xfrm>
           <a:prstGeom prst="rect">
             <a:avLst/>
@@ -4763,33 +4552,33 @@
           <a:bodyPr/>
           <a:lstStyle/>
           <a:p>
-            <a:pPr marL="438911" indent="-341375" defTabSz="877823">
+            <a:pPr marL="420623" indent="-327152" defTabSz="841247">
               <a:spcBef>
                 <a:spcPts val="800"/>
               </a:spcBef>
-              <a:buSzPts val="1900"/>
-              <a:defRPr sz="1919"/>
+              <a:buSzPts val="1800"/>
+              <a:defRPr sz="1840"/>
             </a:pPr>
             <a:r>
               <a:t>Tobias identified and corrected a thread race condition in a specific instrument / component</a:t>
             </a:r>
           </a:p>
           <a:p>
-            <a:pPr marL="438911" indent="-341375" defTabSz="877823">
+            <a:pPr marL="420623" indent="-327152" defTabSz="841247">
               <a:spcBef>
                 <a:spcPts val="800"/>
               </a:spcBef>
-              <a:buSzPts val="1900"/>
-              <a:defRPr sz="1919"/>
+              <a:buSzPts val="1800"/>
+              <a:defRPr sz="1840"/>
             </a:pPr>
           </a:p>
           <a:p>
-            <a:pPr marL="438911" indent="-341375" defTabSz="877823">
+            <a:pPr marL="420623" indent="-327152" defTabSz="841247">
               <a:spcBef>
                 <a:spcPts val="800"/>
               </a:spcBef>
-              <a:buSzPts val="1900"/>
-              <a:defRPr sz="1919"/>
+              <a:buSzPts val="1800"/>
+              <a:defRPr sz="1840"/>
             </a:pPr>
             <a:r>
               <a:t>Emmanuel tried chatbot hints for potential missing </a:t>
@@ -4800,57 +4589,73 @@
             </a:r>
           </a:p>
           <a:p>
-            <a:pPr marL="438911" indent="-341375" defTabSz="877823">
+            <a:pPr marL="420623" indent="-327152" defTabSz="841247">
               <a:spcBef>
                 <a:spcPts val="800"/>
               </a:spcBef>
-              <a:buSzPts val="1900"/>
-              <a:defRPr sz="1919"/>
+              <a:buSzPts val="1800"/>
+              <a:defRPr sz="1840"/>
             </a:pPr>
           </a:p>
           <a:p>
-            <a:pPr marL="438911" indent="-341375" defTabSz="877823">
+            <a:pPr marL="420623" indent="-327152" defTabSz="841247">
               <a:spcBef>
                 <a:spcPts val="800"/>
               </a:spcBef>
-              <a:buSzPts val="1900"/>
-              <a:defRPr sz="1919"/>
+              <a:buSzPts val="1800"/>
+              <a:defRPr sz="1840"/>
             </a:pPr>
             <a:r>
               <a:t>Goals for today:</a:t>
             </a:r>
           </a:p>
           <a:p>
-            <a:pPr lvl="1" marL="877823" indent="-341375" defTabSz="877823">
+            <a:pPr lvl="1" marL="841247" indent="-327152" defTabSz="841247">
               <a:spcBef>
                 <a:spcPts val="800"/>
               </a:spcBef>
-              <a:buSzPts val="1900"/>
-              <a:defRPr sz="1919"/>
+              <a:buSzPts val="1800"/>
+              <a:defRPr sz="1840"/>
             </a:pPr>
             <a:r>
               <a:t>More profiling</a:t>
             </a:r>
           </a:p>
           <a:p>
-            <a:pPr lvl="1" marL="877823" indent="-341375" defTabSz="877823">
+            <a:pPr lvl="1" marL="841247" indent="-327152" defTabSz="841247">
               <a:spcBef>
                 <a:spcPts val="800"/>
               </a:spcBef>
-              <a:buSzPts val="1900"/>
-              <a:defRPr sz="1919"/>
+              <a:buSzPts val="1800"/>
+              <a:defRPr sz="1840"/>
             </a:pPr>
             <a:r>
               <a:t>Experiments with ‘struct with arrays’ approach</a:t>
             </a:r>
           </a:p>
           <a:p>
-            <a:pPr lvl="1" marL="877823" indent="-341375" defTabSz="877823">
+            <a:pPr lvl="1" marL="841247" indent="-327152" defTabSz="841247">
               <a:spcBef>
                 <a:spcPts val="800"/>
               </a:spcBef>
-              <a:buSzPts val="1900"/>
-              <a:defRPr sz="1919"/>
+              <a:buSzPts val="1800"/>
+              <a:defRPr sz="1840"/>
+            </a:pPr>
+            <a:r>
+              <a:t>Limit device-host-device transfers </a:t>
+            </a:r>
+            <a:br/>
+            <a:r>
+              <a:t>(only some data need to be loaded back to host)</a:t>
+            </a:r>
+          </a:p>
+          <a:p>
+            <a:pPr lvl="1" marL="841247" indent="-327152" defTabSz="841247">
+              <a:spcBef>
+                <a:spcPts val="800"/>
+              </a:spcBef>
+              <a:buSzPts val="1800"/>
+              <a:defRPr sz="1840"/>
             </a:pPr>
             <a:r>
               <a:t>Take a look at alternative FUNNEL sorting algorithm (something readily provided in CUDA?)</a:t>
@@ -4860,7 +4665,7 @@
       </p:sp>
       <p:pic>
         <p:nvPicPr>
-          <p:cNvPr id="141" name="Screenshot 2025-04-08 at 17.36.54.png" descr="Screenshot 2025-04-08 at 17.36.54.png"/>
+          <p:cNvPr id="134" name="Screenshot 2025-04-08 at 17.36.54.png" descr="Screenshot 2025-04-08 at 17.36.54.png"/>
           <p:cNvPicPr>
             <a:picLocks noChangeAspect="1"/>
           </p:cNvPicPr>
@@ -4896,7 +4701,7 @@
 </p:sld>
 </file>
 
-<file path=ppt/slides/slide6.xml><?xml version="1.0" encoding="utf-8"?>
+<file path=ppt/slides/slide5.xml><?xml version="1.0" encoding="utf-8"?>
 <p:sld xmlns:a="http://schemas.openxmlformats.org/drawingml/2006/main" xmlns:r="http://schemas.openxmlformats.org/officeDocument/2006/relationships" xmlns:p="http://schemas.openxmlformats.org/presentationml/2006/main" xmlns:m="http://schemas.openxmlformats.org/officeDocument/2006/math" xmlns:a14="http://schemas.microsoft.com/office/drawing/2010/main" showMasterSp="1" showMasterPhAnim="1">
   <p:cSld>
     <p:spTree>
@@ -4915,7 +4720,7 @@
       </p:grpSpPr>
       <p:sp>
         <p:nvSpPr>
-          <p:cNvPr id="143" name="Google Shape;15;p4"/>
+          <p:cNvPr id="136" name="Google Shape;15;p4"/>
           <p:cNvSpPr txBox="1"/>
           <p:nvPr>
             <p:ph type="sldNum" sz="quarter" idx="2"/>
@@ -4958,7 +4763,7 @@
       </p:sp>
       <p:sp>
         <p:nvSpPr>
-          <p:cNvPr id="144" name="Google Shape;61;p12"/>
+          <p:cNvPr id="137" name="Google Shape;61;p12"/>
           <p:cNvSpPr txBox="1"/>
           <p:nvPr>
             <p:ph type="title"/>
@@ -4990,7 +4795,7 @@
       </p:sp>
       <p:sp>
         <p:nvSpPr>
-          <p:cNvPr id="145" name="Google Shape;62;p12"/>
+          <p:cNvPr id="138" name="Google Shape;62;p12"/>
           <p:cNvSpPr txBox="1"/>
           <p:nvPr>
             <p:ph type="body" idx="1"/>
